--- a/out/ТехнологическиесредстваипрограммноеобеспечениеИТ.pptx
+++ b/out/ТехнологическиесредстваипрограммноеобеспечениеИТ.pptx
@@ -3211,7 +3211,7 @@
         <p:spPr>
           <a:xfrm>
             <a:off x="8910320" y="1219200"/>
-            <a:ext cx="6883400" cy="4876800"/>
+            <a:ext cx="6883400" cy="4584700"/>
           </a:xfrm>
           <a:prstGeom prst="rect">
             <a:avLst/>
@@ -3416,7 +3416,7 @@
         <p:spPr>
           <a:xfrm>
             <a:off x="8910320" y="1219200"/>
-            <a:ext cx="6883400" cy="5156200"/>
+            <a:ext cx="6883400" cy="3848100"/>
           </a:xfrm>
           <a:prstGeom prst="rect">
             <a:avLst/>
@@ -3621,7 +3621,7 @@
         <p:spPr>
           <a:xfrm>
             <a:off x="8910320" y="1219200"/>
-            <a:ext cx="6883400" cy="3327400"/>
+            <a:ext cx="6883400" cy="3949700"/>
           </a:xfrm>
           <a:prstGeom prst="rect">
             <a:avLst/>
@@ -3826,7 +3826,7 @@
         <p:spPr>
           <a:xfrm>
             <a:off x="8910320" y="1219200"/>
-            <a:ext cx="5600700" cy="7467600"/>
+            <a:ext cx="6883400" cy="5156200"/>
           </a:xfrm>
           <a:prstGeom prst="rect">
             <a:avLst/>
@@ -4015,7 +4015,7 @@
         <p:spPr>
           <a:xfrm>
             <a:off x="8910320" y="1219200"/>
-            <a:ext cx="6883400" cy="4127500"/>
+            <a:ext cx="6883400" cy="4876800"/>
           </a:xfrm>
           <a:prstGeom prst="rect">
             <a:avLst/>
@@ -4220,7 +4220,7 @@
         <p:spPr>
           <a:xfrm>
             <a:off x="8910320" y="1219200"/>
-            <a:ext cx="6883400" cy="4876800"/>
+            <a:ext cx="6883400" cy="4584700"/>
           </a:xfrm>
           <a:prstGeom prst="rect">
             <a:avLst/>
@@ -4630,7 +4630,7 @@
         <p:spPr>
           <a:xfrm>
             <a:off x="8910320" y="1219200"/>
-            <a:ext cx="6883400" cy="3848100"/>
+            <a:ext cx="6883400" cy="2857500"/>
           </a:xfrm>
           <a:prstGeom prst="rect">
             <a:avLst/>
@@ -4835,7 +4835,7 @@
         <p:spPr>
           <a:xfrm>
             <a:off x="8910320" y="1219200"/>
-            <a:ext cx="6883400" cy="3873500"/>
+            <a:ext cx="6883400" cy="3225800"/>
           </a:xfrm>
           <a:prstGeom prst="rect">
             <a:avLst/>
@@ -5040,7 +5040,7 @@
         <p:spPr>
           <a:xfrm>
             <a:off x="8910320" y="1219200"/>
-            <a:ext cx="6883400" cy="2857500"/>
+            <a:ext cx="6883400" cy="3873500"/>
           </a:xfrm>
           <a:prstGeom prst="rect">
             <a:avLst/>
@@ -5245,7 +5245,7 @@
         <p:spPr>
           <a:xfrm>
             <a:off x="8910320" y="1219200"/>
-            <a:ext cx="6883400" cy="4584700"/>
+            <a:ext cx="6883400" cy="4127500"/>
           </a:xfrm>
           <a:prstGeom prst="rect">
             <a:avLst/>
@@ -5671,7 +5671,7 @@
         <p:spPr>
           <a:xfrm>
             <a:off x="8910320" y="1219200"/>
-            <a:ext cx="6883400" cy="3225800"/>
+            <a:ext cx="5600700" cy="7467600"/>
           </a:xfrm>
           <a:prstGeom prst="rect">
             <a:avLst/>
@@ -6166,7 +6166,7 @@
         <p:spPr>
           <a:xfrm>
             <a:off x="8910320" y="1219200"/>
-            <a:ext cx="6883400" cy="3848100"/>
+            <a:ext cx="6883400" cy="2857500"/>
           </a:xfrm>
           <a:prstGeom prst="rect">
             <a:avLst/>
@@ -6371,7 +6371,7 @@
         <p:spPr>
           <a:xfrm>
             <a:off x="8910320" y="1219200"/>
-            <a:ext cx="6883400" cy="3873500"/>
+            <a:ext cx="6883400" cy="3225800"/>
           </a:xfrm>
           <a:prstGeom prst="rect">
             <a:avLst/>
@@ -6576,7 +6576,7 @@
         <p:spPr>
           <a:xfrm>
             <a:off x="8910320" y="1219200"/>
-            <a:ext cx="6883400" cy="2857500"/>
+            <a:ext cx="6883400" cy="3873500"/>
           </a:xfrm>
           <a:prstGeom prst="rect">
             <a:avLst/>
@@ -6781,7 +6781,7 @@
         <p:spPr>
           <a:xfrm>
             <a:off x="8910320" y="1219200"/>
-            <a:ext cx="6883400" cy="4584700"/>
+            <a:ext cx="6883400" cy="4127500"/>
           </a:xfrm>
           <a:prstGeom prst="rect">
             <a:avLst/>
@@ -6986,7 +6986,7 @@
         <p:spPr>
           <a:xfrm>
             <a:off x="8910320" y="1219200"/>
-            <a:ext cx="6883400" cy="3225800"/>
+            <a:ext cx="5600700" cy="7467600"/>
           </a:xfrm>
           <a:prstGeom prst="rect">
             <a:avLst/>
@@ -7191,7 +7191,7 @@
         <p:spPr>
           <a:xfrm>
             <a:off x="8910320" y="1219200"/>
-            <a:ext cx="6883400" cy="3949700"/>
+            <a:ext cx="6883400" cy="4584700"/>
           </a:xfrm>
           <a:prstGeom prst="rect">
             <a:avLst/>
@@ -7396,7 +7396,7 @@
         <p:spPr>
           <a:xfrm>
             <a:off x="8910320" y="1219200"/>
-            <a:ext cx="6883400" cy="4584700"/>
+            <a:ext cx="6883400" cy="3327400"/>
           </a:xfrm>
           <a:prstGeom prst="rect">
             <a:avLst/>
